--- a/Installer/Tutorials/GearVRFTutorial-Lesson4.pptx
+++ b/Installer/Tutorials/GearVRFTutorial-Lesson4.pptx
@@ -255,7 +255,7 @@
           <a:p>
             <a:fld id="{0E28B5CE-A17E-45B2-B377-FA943BA06927}" type="datetimeFigureOut">
               <a:rPr lang="en-US" smtClean="0"/>
-              <a:t>7/18/2016</a:t>
+              <a:t>7/20/2016</a:t>
             </a:fld>
             <a:endParaRPr lang="en-US"/>
           </a:p>
@@ -425,7 +425,7 @@
           <a:p>
             <a:fld id="{0E28B5CE-A17E-45B2-B377-FA943BA06927}" type="datetimeFigureOut">
               <a:rPr lang="en-US" smtClean="0"/>
-              <a:t>7/18/2016</a:t>
+              <a:t>7/20/2016</a:t>
             </a:fld>
             <a:endParaRPr lang="en-US"/>
           </a:p>
@@ -605,7 +605,7 @@
           <a:p>
             <a:fld id="{0E28B5CE-A17E-45B2-B377-FA943BA06927}" type="datetimeFigureOut">
               <a:rPr lang="en-US" smtClean="0"/>
-              <a:t>7/18/2016</a:t>
+              <a:t>7/20/2016</a:t>
             </a:fld>
             <a:endParaRPr lang="en-US"/>
           </a:p>
@@ -775,7 +775,7 @@
           <a:p>
             <a:fld id="{0E28B5CE-A17E-45B2-B377-FA943BA06927}" type="datetimeFigureOut">
               <a:rPr lang="en-US" smtClean="0"/>
-              <a:t>7/18/2016</a:t>
+              <a:t>7/20/2016</a:t>
             </a:fld>
             <a:endParaRPr lang="en-US"/>
           </a:p>
@@ -1028,7 +1028,7 @@
           <a:p>
             <a:fld id="{0E28B5CE-A17E-45B2-B377-FA943BA06927}" type="datetimeFigureOut">
               <a:rPr lang="en-US" smtClean="0"/>
-              <a:t>7/18/2016</a:t>
+              <a:t>7/20/2016</a:t>
             </a:fld>
             <a:endParaRPr lang="en-US"/>
           </a:p>
@@ -1260,7 +1260,7 @@
           <a:p>
             <a:fld id="{0E28B5CE-A17E-45B2-B377-FA943BA06927}" type="datetimeFigureOut">
               <a:rPr lang="en-US" smtClean="0"/>
-              <a:t>7/18/2016</a:t>
+              <a:t>7/20/2016</a:t>
             </a:fld>
             <a:endParaRPr lang="en-US"/>
           </a:p>
@@ -1627,7 +1627,7 @@
           <a:p>
             <a:fld id="{0E28B5CE-A17E-45B2-B377-FA943BA06927}" type="datetimeFigureOut">
               <a:rPr lang="en-US" smtClean="0"/>
-              <a:t>7/18/2016</a:t>
+              <a:t>7/20/2016</a:t>
             </a:fld>
             <a:endParaRPr lang="en-US"/>
           </a:p>
@@ -1745,7 +1745,7 @@
           <a:p>
             <a:fld id="{0E28B5CE-A17E-45B2-B377-FA943BA06927}" type="datetimeFigureOut">
               <a:rPr lang="en-US" smtClean="0"/>
-              <a:t>7/18/2016</a:t>
+              <a:t>7/20/2016</a:t>
             </a:fld>
             <a:endParaRPr lang="en-US"/>
           </a:p>
@@ -1840,7 +1840,7 @@
           <a:p>
             <a:fld id="{0E28B5CE-A17E-45B2-B377-FA943BA06927}" type="datetimeFigureOut">
               <a:rPr lang="en-US" smtClean="0"/>
-              <a:t>7/18/2016</a:t>
+              <a:t>7/20/2016</a:t>
             </a:fld>
             <a:endParaRPr lang="en-US"/>
           </a:p>
@@ -2117,7 +2117,7 @@
           <a:p>
             <a:fld id="{0E28B5CE-A17E-45B2-B377-FA943BA06927}" type="datetimeFigureOut">
               <a:rPr lang="en-US" smtClean="0"/>
-              <a:t>7/18/2016</a:t>
+              <a:t>7/20/2016</a:t>
             </a:fld>
             <a:endParaRPr lang="en-US"/>
           </a:p>
@@ -2370,7 +2370,7 @@
           <a:p>
             <a:fld id="{0E28B5CE-A17E-45B2-B377-FA943BA06927}" type="datetimeFigureOut">
               <a:rPr lang="en-US" smtClean="0"/>
-              <a:t>7/18/2016</a:t>
+              <a:t>7/20/2016</a:t>
             </a:fld>
             <a:endParaRPr lang="en-US"/>
           </a:p>
@@ -2601,7 +2601,7 @@
           <a:p>
             <a:fld id="{0E28B5CE-A17E-45B2-B377-FA943BA06927}" type="datetimeFigureOut">
               <a:rPr lang="en-US" smtClean="0"/>
-              <a:t>7/18/2016</a:t>
+              <a:t>7/20/2016</a:t>
             </a:fld>
             <a:endParaRPr lang="en-US"/>
           </a:p>
@@ -4015,6 +4015,13 @@
   <p:clrMapOvr>
     <a:masterClrMapping/>
   </p:clrMapOvr>
+  <p:timing>
+    <p:tnLst>
+      <p:par>
+        <p:cTn id="1" dur="indefinite" restart="never" nodeType="tmRoot"/>
+      </p:par>
+    </p:tnLst>
+  </p:timing>
 </p:sld>
 </file>
 
@@ -5691,6 +5698,13 @@
   <p:clrMapOvr>
     <a:masterClrMapping/>
   </p:clrMapOvr>
+  <p:timing>
+    <p:tnLst>
+      <p:par>
+        <p:cTn id="1" dur="indefinite" restart="never" nodeType="tmRoot"/>
+      </p:par>
+    </p:tnLst>
+  </p:timing>
 </p:sld>
 </file>
 
@@ -7227,6 +7241,13 @@
   <p:clrMapOvr>
     <a:masterClrMapping/>
   </p:clrMapOvr>
+  <p:timing>
+    <p:tnLst>
+      <p:par>
+        <p:cTn id="1" dur="indefinite" restart="never" nodeType="tmRoot"/>
+      </p:par>
+    </p:tnLst>
+  </p:timing>
 </p:sld>
 </file>
 
@@ -15178,11 +15199,7 @@
             </a:r>
             <a:r>
               <a:rPr lang="en-US" dirty="0" smtClean="0"/>
-              <a:t> </a:t>
-            </a:r>
-            <a:r>
-              <a:rPr lang="en-US" dirty="0" smtClean="0"/>
-              <a:t>is the starting position of the particle.</a:t>
+              <a:t> is the starting position of the particle.</a:t>
             </a:r>
           </a:p>
           <a:p>
@@ -16818,24 +16835,16 @@
           <a:p>
             <a:r>
               <a:rPr lang="en-US" dirty="0" smtClean="0"/>
-              <a:t>Emits particles over time from a specified area. The velocity and direction of the particles are randomly generated and lie within the given range</a:t>
-            </a:r>
+              <a:t>Emits particles over time from a specified area. The velocity and direction of the particles are randomly generated and lie within the given range.</a:t>
+            </a:r>
+          </a:p>
+          <a:p>
+            <a:endParaRPr lang="en-US" dirty="0"/>
+          </a:p>
+          <a:p>
             <a:r>
               <a:rPr lang="en-US" dirty="0" smtClean="0"/>
-              <a:t>.</a:t>
-            </a:r>
-          </a:p>
-          <a:p>
-            <a:endParaRPr lang="en-US" dirty="0"/>
-          </a:p>
-          <a:p>
-            <a:r>
-              <a:rPr lang="en-US" dirty="0" smtClean="0"/>
-              <a:t>Particles are emitte</a:t>
-            </a:r>
-            <a:r>
-              <a:rPr lang="en-US" dirty="0" smtClean="0"/>
-              <a:t>d from a rectangular area in the X, Y plane towards the negative Z axis. Transforming the scene object the particle emitter belongs to will transform the particles as well.</a:t>
+              <a:t>Particles are emitted from a rectangular area in the X, Y plane towards the negative Z axis. Transforming the scene object the particle emitter belongs to will transform the particles as well.</a:t>
             </a:r>
             <a:endParaRPr lang="en-US" dirty="0"/>
           </a:p>
@@ -17538,6 +17547,13 @@
   <p:clrMapOvr>
     <a:masterClrMapping/>
   </p:clrMapOvr>
+  <p:timing>
+    <p:tnLst>
+      <p:par>
+        <p:cTn id="1" dur="indefinite" restart="never" nodeType="tmRoot"/>
+      </p:par>
+    </p:tnLst>
+  </p:timing>
 </p:sld>
 </file>
 
@@ -19075,6 +19091,13 @@
   <p:clrMapOvr>
     <a:masterClrMapping/>
   </p:clrMapOvr>
+  <p:timing>
+    <p:tnLst>
+      <p:par>
+        <p:cTn id="1" dur="indefinite" restart="never" nodeType="tmRoot"/>
+      </p:par>
+    </p:tnLst>
+  </p:timing>
 </p:sld>
 </file>
 
